--- a/LKgrade.pptx
+++ b/LKgrade.pptx
@@ -6,6 +6,7 @@
   </p:sldMasterIdLst>
   <p:sldIdLst>
     <p:sldId id="256" r:id="rId2"/>
+    <p:sldId id="257" r:id="rId3"/>
   </p:sldIdLst>
   <p:sldSz cx="9144000" cy="6858000" type="screen4x3"/>
   <p:notesSz cx="6858000" cy="9144000"/>
@@ -288,7 +289,7 @@
           <a:p>
             <a:fld id="{195ACA6A-B641-4EBF-B240-130199794683}" type="datetimeFigureOut">
               <a:rPr kumimoji="1" lang="ja-JP" altLang="en-US" smtClean="0"/>
-              <a:t>2018/2/17</a:t>
+              <a:t>2018/2/21</a:t>
             </a:fld>
             <a:endParaRPr kumimoji="1" lang="ja-JP" altLang="en-US"/>
           </a:p>
@@ -490,7 +491,7 @@
           <a:p>
             <a:fld id="{195ACA6A-B641-4EBF-B240-130199794683}" type="datetimeFigureOut">
               <a:rPr kumimoji="1" lang="ja-JP" altLang="en-US" smtClean="0"/>
-              <a:t>2018/2/17</a:t>
+              <a:t>2018/2/21</a:t>
             </a:fld>
             <a:endParaRPr kumimoji="1" lang="ja-JP" altLang="en-US"/>
           </a:p>
@@ -702,7 +703,7 @@
           <a:p>
             <a:fld id="{195ACA6A-B641-4EBF-B240-130199794683}" type="datetimeFigureOut">
               <a:rPr kumimoji="1" lang="ja-JP" altLang="en-US" smtClean="0"/>
-              <a:t>2018/2/17</a:t>
+              <a:t>2018/2/21</a:t>
             </a:fld>
             <a:endParaRPr kumimoji="1" lang="ja-JP" altLang="en-US"/>
           </a:p>
@@ -904,7 +905,7 @@
           <a:p>
             <a:fld id="{195ACA6A-B641-4EBF-B240-130199794683}" type="datetimeFigureOut">
               <a:rPr kumimoji="1" lang="ja-JP" altLang="en-US" smtClean="0"/>
-              <a:t>2018/2/17</a:t>
+              <a:t>2018/2/21</a:t>
             </a:fld>
             <a:endParaRPr kumimoji="1" lang="ja-JP" altLang="en-US"/>
           </a:p>
@@ -1150,7 +1151,7 @@
           <a:p>
             <a:fld id="{195ACA6A-B641-4EBF-B240-130199794683}" type="datetimeFigureOut">
               <a:rPr kumimoji="1" lang="ja-JP" altLang="en-US" smtClean="0"/>
-              <a:t>2018/2/17</a:t>
+              <a:t>2018/2/21</a:t>
             </a:fld>
             <a:endParaRPr kumimoji="1" lang="ja-JP" altLang="en-US"/>
           </a:p>
@@ -1502,7 +1503,7 @@
           <a:p>
             <a:fld id="{195ACA6A-B641-4EBF-B240-130199794683}" type="datetimeFigureOut">
               <a:rPr kumimoji="1" lang="ja-JP" altLang="en-US" smtClean="0"/>
-              <a:t>2018/2/17</a:t>
+              <a:t>2018/2/21</a:t>
             </a:fld>
             <a:endParaRPr kumimoji="1" lang="ja-JP" altLang="en-US"/>
           </a:p>
@@ -1988,7 +1989,7 @@
           <a:p>
             <a:fld id="{195ACA6A-B641-4EBF-B240-130199794683}" type="datetimeFigureOut">
               <a:rPr kumimoji="1" lang="ja-JP" altLang="en-US" smtClean="0"/>
-              <a:t>2018/2/17</a:t>
+              <a:t>2018/2/21</a:t>
             </a:fld>
             <a:endParaRPr kumimoji="1" lang="ja-JP" altLang="en-US"/>
           </a:p>
@@ -2106,7 +2107,7 @@
           <a:p>
             <a:fld id="{195ACA6A-B641-4EBF-B240-130199794683}" type="datetimeFigureOut">
               <a:rPr kumimoji="1" lang="ja-JP" altLang="en-US" smtClean="0"/>
-              <a:t>2018/2/17</a:t>
+              <a:t>2018/2/21</a:t>
             </a:fld>
             <a:endParaRPr kumimoji="1" lang="ja-JP" altLang="en-US"/>
           </a:p>
@@ -2201,7 +2202,7 @@
           <a:p>
             <a:fld id="{195ACA6A-B641-4EBF-B240-130199794683}" type="datetimeFigureOut">
               <a:rPr kumimoji="1" lang="ja-JP" altLang="en-US" smtClean="0"/>
-              <a:t>2018/2/17</a:t>
+              <a:t>2018/2/21</a:t>
             </a:fld>
             <a:endParaRPr kumimoji="1" lang="ja-JP" altLang="en-US"/>
           </a:p>
@@ -2510,7 +2511,7 @@
           <a:p>
             <a:fld id="{195ACA6A-B641-4EBF-B240-130199794683}" type="datetimeFigureOut">
               <a:rPr kumimoji="1" lang="ja-JP" altLang="en-US" smtClean="0"/>
-              <a:t>2018/2/17</a:t>
+              <a:t>2018/2/21</a:t>
             </a:fld>
             <a:endParaRPr kumimoji="1" lang="ja-JP" altLang="en-US"/>
           </a:p>
@@ -2763,7 +2764,7 @@
           <a:p>
             <a:fld id="{195ACA6A-B641-4EBF-B240-130199794683}" type="datetimeFigureOut">
               <a:rPr kumimoji="1" lang="ja-JP" altLang="en-US" smtClean="0"/>
-              <a:t>2018/2/17</a:t>
+              <a:t>2018/2/21</a:t>
             </a:fld>
             <a:endParaRPr kumimoji="1" lang="ja-JP" altLang="en-US"/>
           </a:p>
@@ -3008,7 +3009,7 @@
           <a:p>
             <a:fld id="{195ACA6A-B641-4EBF-B240-130199794683}" type="datetimeFigureOut">
               <a:rPr kumimoji="1" lang="ja-JP" altLang="en-US" smtClean="0"/>
-              <a:t>2018/2/17</a:t>
+              <a:t>2018/2/21</a:t>
             </a:fld>
             <a:endParaRPr kumimoji="1" lang="ja-JP" altLang="en-US"/>
           </a:p>
@@ -3925,6 +3926,367 @@
 </p:sld>
 </file>
 
+<file path=ppt/slides/slide2.xml><?xml version="1.0" encoding="utf-8"?>
+<p:sld xmlns:a="http://schemas.openxmlformats.org/drawingml/2006/main" xmlns:r="http://schemas.openxmlformats.org/officeDocument/2006/relationships" xmlns:p="http://schemas.openxmlformats.org/presentationml/2006/main">
+  <p:cSld>
+    <p:spTree>
+      <p:nvGrpSpPr>
+        <p:cNvPr id="1" name=""/>
+        <p:cNvGrpSpPr/>
+        <p:nvPr/>
+      </p:nvGrpSpPr>
+      <p:grpSpPr>
+        <a:xfrm>
+          <a:off x="0" y="0"/>
+          <a:ext cx="0" cy="0"/>
+          <a:chOff x="0" y="0"/>
+          <a:chExt cx="0" cy="0"/>
+        </a:xfrm>
+      </p:grpSpPr>
+      <p:grpSp>
+        <p:nvGrpSpPr>
+          <p:cNvPr id="5" name="グループ化 4"/>
+          <p:cNvGrpSpPr/>
+          <p:nvPr/>
+        </p:nvGrpSpPr>
+        <p:grpSpPr>
+          <a:xfrm>
+            <a:off x="1187624" y="1052736"/>
+            <a:ext cx="6059110" cy="4595328"/>
+            <a:chOff x="1187624" y="1052736"/>
+            <a:chExt cx="6059110" cy="4595328"/>
+          </a:xfrm>
+        </p:grpSpPr>
+        <p:pic>
+          <p:nvPicPr>
+            <p:cNvPr id="1030" name="Picture 6" descr="C:\Users\hida1\Desktop\新しいフォルダー (2)\NL.png"/>
+            <p:cNvPicPr>
+              <a:picLocks noChangeAspect="1" noChangeArrowheads="1"/>
+            </p:cNvPicPr>
+            <p:nvPr/>
+          </p:nvPicPr>
+          <p:blipFill>
+            <a:blip r:embed="rId2">
+              <a:extLst>
+                <a:ext uri="{28A0092B-C50C-407E-A947-70E740481C1C}">
+                  <a14:useLocalDpi xmlns:a14="http://schemas.microsoft.com/office/drawing/2010/main" val="0"/>
+                </a:ext>
+              </a:extLst>
+            </a:blip>
+            <a:srcRect/>
+            <a:stretch>
+              <a:fillRect/>
+            </a:stretch>
+          </p:blipFill>
+          <p:spPr bwMode="auto">
+            <a:xfrm>
+              <a:off x="1187624" y="1052736"/>
+              <a:ext cx="2958752" cy="2219064"/>
+            </a:xfrm>
+            <a:prstGeom prst="rect">
+              <a:avLst/>
+            </a:prstGeom>
+            <a:noFill/>
+            <a:extLst>
+              <a:ext uri="{909E8E84-426E-40DD-AFC4-6F175D3DCCD1}">
+                <a14:hiddenFill xmlns:a14="http://schemas.microsoft.com/office/drawing/2010/main">
+                  <a:solidFill>
+                    <a:srgbClr val="FFFFFF"/>
+                  </a:solidFill>
+                </a14:hiddenFill>
+              </a:ext>
+            </a:extLst>
+          </p:spPr>
+        </p:pic>
+        <p:pic>
+          <p:nvPicPr>
+            <p:cNvPr id="1031" name="Picture 7" descr="C:\Users\hida1\Desktop\新しいフォルダー (2)\severe.png"/>
+            <p:cNvPicPr>
+              <a:picLocks noChangeAspect="1" noChangeArrowheads="1"/>
+            </p:cNvPicPr>
+            <p:nvPr/>
+          </p:nvPicPr>
+          <p:blipFill>
+            <a:blip r:embed="rId3">
+              <a:extLst>
+                <a:ext uri="{28A0092B-C50C-407E-A947-70E740481C1C}">
+                  <a14:useLocalDpi xmlns:a14="http://schemas.microsoft.com/office/drawing/2010/main" val="0"/>
+                </a:ext>
+              </a:extLst>
+            </a:blip>
+            <a:srcRect/>
+            <a:stretch>
+              <a:fillRect/>
+            </a:stretch>
+          </p:blipFill>
+          <p:spPr bwMode="auto">
+            <a:xfrm>
+              <a:off x="4287982" y="3429000"/>
+              <a:ext cx="2958752" cy="2219064"/>
+            </a:xfrm>
+            <a:prstGeom prst="rect">
+              <a:avLst/>
+            </a:prstGeom>
+            <a:noFill/>
+            <a:extLst>
+              <a:ext uri="{909E8E84-426E-40DD-AFC4-6F175D3DCCD1}">
+                <a14:hiddenFill xmlns:a14="http://schemas.microsoft.com/office/drawing/2010/main">
+                  <a:solidFill>
+                    <a:srgbClr val="FFFFFF"/>
+                  </a:solidFill>
+                </a14:hiddenFill>
+              </a:ext>
+            </a:extLst>
+          </p:spPr>
+        </p:pic>
+        <p:pic>
+          <p:nvPicPr>
+            <p:cNvPr id="1032" name="Picture 8" descr="C:\Users\hida1\Desktop\新しいフォルダー (2)\mild.png"/>
+            <p:cNvPicPr>
+              <a:picLocks noChangeAspect="1" noChangeArrowheads="1"/>
+            </p:cNvPicPr>
+            <p:nvPr/>
+          </p:nvPicPr>
+          <p:blipFill>
+            <a:blip r:embed="rId4">
+              <a:extLst>
+                <a:ext uri="{28A0092B-C50C-407E-A947-70E740481C1C}">
+                  <a14:useLocalDpi xmlns:a14="http://schemas.microsoft.com/office/drawing/2010/main" val="0"/>
+                </a:ext>
+              </a:extLst>
+            </a:blip>
+            <a:srcRect/>
+            <a:stretch>
+              <a:fillRect/>
+            </a:stretch>
+          </p:blipFill>
+          <p:spPr bwMode="auto">
+            <a:xfrm>
+              <a:off x="4283968" y="1056979"/>
+              <a:ext cx="2958752" cy="2219064"/>
+            </a:xfrm>
+            <a:prstGeom prst="rect">
+              <a:avLst/>
+            </a:prstGeom>
+            <a:noFill/>
+            <a:extLst>
+              <a:ext uri="{909E8E84-426E-40DD-AFC4-6F175D3DCCD1}">
+                <a14:hiddenFill xmlns:a14="http://schemas.microsoft.com/office/drawing/2010/main">
+                  <a:solidFill>
+                    <a:srgbClr val="FFFFFF"/>
+                  </a:solidFill>
+                </a14:hiddenFill>
+              </a:ext>
+            </a:extLst>
+          </p:spPr>
+        </p:pic>
+        <p:pic>
+          <p:nvPicPr>
+            <p:cNvPr id="1033" name="Picture 9" descr="C:\Users\hida1\Desktop\新しいフォルダー (2)\moderate.png"/>
+            <p:cNvPicPr>
+              <a:picLocks noChangeAspect="1" noChangeArrowheads="1"/>
+            </p:cNvPicPr>
+            <p:nvPr/>
+          </p:nvPicPr>
+          <p:blipFill>
+            <a:blip r:embed="rId5">
+              <a:extLst>
+                <a:ext uri="{28A0092B-C50C-407E-A947-70E740481C1C}">
+                  <a14:useLocalDpi xmlns:a14="http://schemas.microsoft.com/office/drawing/2010/main" val="0"/>
+                </a:ext>
+              </a:extLst>
+            </a:blip>
+            <a:srcRect/>
+            <a:stretch>
+              <a:fillRect/>
+            </a:stretch>
+          </p:blipFill>
+          <p:spPr bwMode="auto">
+            <a:xfrm>
+              <a:off x="1187624" y="3429000"/>
+              <a:ext cx="2958752" cy="2219064"/>
+            </a:xfrm>
+            <a:prstGeom prst="rect">
+              <a:avLst/>
+            </a:prstGeom>
+            <a:noFill/>
+            <a:extLst>
+              <a:ext uri="{909E8E84-426E-40DD-AFC4-6F175D3DCCD1}">
+                <a14:hiddenFill xmlns:a14="http://schemas.microsoft.com/office/drawing/2010/main">
+                  <a:solidFill>
+                    <a:srgbClr val="FFFFFF"/>
+                  </a:solidFill>
+                </a14:hiddenFill>
+              </a:ext>
+            </a:extLst>
+          </p:spPr>
+        </p:pic>
+        <p:sp>
+          <p:nvSpPr>
+            <p:cNvPr id="4" name="テキスト ボックス 3"/>
+            <p:cNvSpPr txBox="1"/>
+            <p:nvPr/>
+          </p:nvSpPr>
+          <p:spPr>
+            <a:xfrm>
+              <a:off x="1997105" y="2881946"/>
+              <a:ext cx="1339790" cy="369332"/>
+            </a:xfrm>
+            <a:prstGeom prst="rect">
+              <a:avLst/>
+            </a:prstGeom>
+            <a:noFill/>
+          </p:spPr>
+          <p:txBody>
+            <a:bodyPr wrap="none" rtlCol="0">
+              <a:spAutoFit/>
+            </a:bodyPr>
+            <a:lstStyle/>
+            <a:p>
+              <a:r>
+                <a:rPr kumimoji="1" lang="en-US" altLang="ja-JP" dirty="0" smtClean="0">
+                  <a:solidFill>
+                    <a:srgbClr val="FFFF00"/>
+                  </a:solidFill>
+                </a:rPr>
+                <a:t>Normal liver</a:t>
+              </a:r>
+              <a:endParaRPr kumimoji="1" lang="ja-JP" altLang="en-US" dirty="0">
+                <a:solidFill>
+                  <a:srgbClr val="FFFF00"/>
+                </a:solidFill>
+              </a:endParaRPr>
+            </a:p>
+          </p:txBody>
+        </p:sp>
+        <p:sp>
+          <p:nvSpPr>
+            <p:cNvPr id="16" name="テキスト ボックス 15"/>
+            <p:cNvSpPr txBox="1"/>
+            <p:nvPr/>
+          </p:nvSpPr>
+          <p:spPr>
+            <a:xfrm>
+              <a:off x="5220072" y="2900215"/>
+              <a:ext cx="1091709" cy="369332"/>
+            </a:xfrm>
+            <a:prstGeom prst="rect">
+              <a:avLst/>
+            </a:prstGeom>
+            <a:noFill/>
+          </p:spPr>
+          <p:txBody>
+            <a:bodyPr wrap="none" rtlCol="0">
+              <a:spAutoFit/>
+            </a:bodyPr>
+            <a:lstStyle/>
+            <a:p>
+              <a:r>
+                <a:rPr kumimoji="1" lang="en-US" altLang="ja-JP" dirty="0" smtClean="0">
+                  <a:solidFill>
+                    <a:srgbClr val="FFFF00"/>
+                  </a:solidFill>
+                </a:rPr>
+                <a:t>Mild fatty</a:t>
+              </a:r>
+              <a:endParaRPr kumimoji="1" lang="ja-JP" altLang="en-US" dirty="0">
+                <a:solidFill>
+                  <a:srgbClr val="FFFF00"/>
+                </a:solidFill>
+              </a:endParaRPr>
+            </a:p>
+          </p:txBody>
+        </p:sp>
+        <p:sp>
+          <p:nvSpPr>
+            <p:cNvPr id="17" name="テキスト ボックス 16"/>
+            <p:cNvSpPr txBox="1"/>
+            <p:nvPr/>
+          </p:nvSpPr>
+          <p:spPr>
+            <a:xfrm>
+              <a:off x="5118911" y="5254062"/>
+              <a:ext cx="1296893" cy="369332"/>
+            </a:xfrm>
+            <a:prstGeom prst="rect">
+              <a:avLst/>
+            </a:prstGeom>
+            <a:noFill/>
+          </p:spPr>
+          <p:txBody>
+            <a:bodyPr wrap="none" rtlCol="0">
+              <a:spAutoFit/>
+            </a:bodyPr>
+            <a:lstStyle/>
+            <a:p>
+              <a:r>
+                <a:rPr lang="en-US" altLang="ja-JP" dirty="0" smtClean="0">
+                  <a:solidFill>
+                    <a:srgbClr val="FFFF00"/>
+                  </a:solidFill>
+                </a:rPr>
+                <a:t>Severe fatty</a:t>
+              </a:r>
+              <a:endParaRPr kumimoji="1" lang="ja-JP" altLang="en-US" dirty="0">
+                <a:solidFill>
+                  <a:srgbClr val="FFFF00"/>
+                </a:solidFill>
+              </a:endParaRPr>
+            </a:p>
+          </p:txBody>
+        </p:sp>
+        <p:sp>
+          <p:nvSpPr>
+            <p:cNvPr id="18" name="テキスト ボックス 17"/>
+            <p:cNvSpPr txBox="1"/>
+            <p:nvPr/>
+          </p:nvSpPr>
+          <p:spPr>
+            <a:xfrm>
+              <a:off x="1892383" y="5260558"/>
+              <a:ext cx="1596912" cy="369332"/>
+            </a:xfrm>
+            <a:prstGeom prst="rect">
+              <a:avLst/>
+            </a:prstGeom>
+            <a:noFill/>
+          </p:spPr>
+          <p:txBody>
+            <a:bodyPr wrap="none" rtlCol="0">
+              <a:spAutoFit/>
+            </a:bodyPr>
+            <a:lstStyle/>
+            <a:p>
+              <a:r>
+                <a:rPr kumimoji="1" lang="en-US" altLang="ja-JP" dirty="0" smtClean="0">
+                  <a:solidFill>
+                    <a:srgbClr val="FFFF00"/>
+                  </a:solidFill>
+                </a:rPr>
+                <a:t>Moderate fatty</a:t>
+              </a:r>
+              <a:endParaRPr kumimoji="1" lang="ja-JP" altLang="en-US" dirty="0">
+                <a:solidFill>
+                  <a:srgbClr val="FFFF00"/>
+                </a:solidFill>
+              </a:endParaRPr>
+            </a:p>
+          </p:txBody>
+        </p:sp>
+      </p:grpSp>
+    </p:spTree>
+    <p:extLst>
+      <p:ext uri="{BB962C8B-B14F-4D97-AF65-F5344CB8AC3E}">
+        <p14:creationId xmlns:p14="http://schemas.microsoft.com/office/powerpoint/2010/main" val="2430382035"/>
+      </p:ext>
+    </p:extLst>
+  </p:cSld>
+  <p:clrMapOvr>
+    <a:masterClrMapping/>
+  </p:clrMapOvr>
+</p:sld>
+</file>
+
 <file path=ppt/theme/theme1.xml><?xml version="1.0" encoding="utf-8"?>
 <a:theme xmlns:a="http://schemas.openxmlformats.org/drawingml/2006/main" name="Office ​​テーマ">
   <a:themeElements>

--- a/LKgrade.pptx
+++ b/LKgrade.pptx
@@ -7,6 +7,7 @@
   <p:sldIdLst>
     <p:sldId id="256" r:id="rId2"/>
     <p:sldId id="257" r:id="rId3"/>
+    <p:sldId id="258" r:id="rId4"/>
   </p:sldIdLst>
   <p:sldSz cx="9144000" cy="6858000" type="screen4x3"/>
   <p:notesSz cx="6858000" cy="9144000"/>
@@ -4287,6 +4288,503 @@
 </p:sld>
 </file>
 
+<file path=ppt/slides/slide3.xml><?xml version="1.0" encoding="utf-8"?>
+<p:sld xmlns:a="http://schemas.openxmlformats.org/drawingml/2006/main" xmlns:r="http://schemas.openxmlformats.org/officeDocument/2006/relationships" xmlns:p="http://schemas.openxmlformats.org/presentationml/2006/main">
+  <p:cSld>
+    <p:spTree>
+      <p:nvGrpSpPr>
+        <p:cNvPr id="1" name=""/>
+        <p:cNvGrpSpPr/>
+        <p:nvPr/>
+      </p:nvGrpSpPr>
+      <p:grpSpPr>
+        <a:xfrm>
+          <a:off x="0" y="0"/>
+          <a:ext cx="0" cy="0"/>
+          <a:chOff x="0" y="0"/>
+          <a:chExt cx="0" cy="0"/>
+        </a:xfrm>
+      </p:grpSpPr>
+      <p:grpSp>
+        <p:nvGrpSpPr>
+          <p:cNvPr id="4" name="グループ化 3"/>
+          <p:cNvGrpSpPr/>
+          <p:nvPr/>
+        </p:nvGrpSpPr>
+        <p:grpSpPr>
+          <a:xfrm>
+            <a:off x="971600" y="812596"/>
+            <a:ext cx="6532858" cy="5289992"/>
+            <a:chOff x="971600" y="812596"/>
+            <a:chExt cx="6532858" cy="5289992"/>
+          </a:xfrm>
+        </p:grpSpPr>
+        <p:pic>
+          <p:nvPicPr>
+            <p:cNvPr id="1026" name="Picture 2" descr="C:\Users\hida1\Desktop\SnapCrab\USgrade3.jpg"/>
+            <p:cNvPicPr>
+              <a:picLocks noChangeAspect="1" noChangeArrowheads="1"/>
+            </p:cNvPicPr>
+            <p:nvPr/>
+          </p:nvPicPr>
+          <p:blipFill>
+            <a:blip r:embed="rId2">
+              <a:extLst>
+                <a:ext uri="{28A0092B-C50C-407E-A947-70E740481C1C}">
+                  <a14:useLocalDpi xmlns:a14="http://schemas.microsoft.com/office/drawing/2010/main" val="0"/>
+                </a:ext>
+              </a:extLst>
+            </a:blip>
+            <a:srcRect/>
+            <a:stretch>
+              <a:fillRect/>
+            </a:stretch>
+          </p:blipFill>
+          <p:spPr bwMode="auto">
+            <a:xfrm>
+              <a:off x="4355976" y="3573016"/>
+              <a:ext cx="3148482" cy="2518784"/>
+            </a:xfrm>
+            <a:prstGeom prst="rect">
+              <a:avLst/>
+            </a:prstGeom>
+            <a:noFill/>
+            <a:extLst>
+              <a:ext uri="{909E8E84-426E-40DD-AFC4-6F175D3DCCD1}">
+                <a14:hiddenFill xmlns:a14="http://schemas.microsoft.com/office/drawing/2010/main">
+                  <a:solidFill>
+                    <a:srgbClr val="FFFFFF"/>
+                  </a:solidFill>
+                </a14:hiddenFill>
+              </a:ext>
+            </a:extLst>
+          </p:spPr>
+        </p:pic>
+        <p:pic>
+          <p:nvPicPr>
+            <p:cNvPr id="1027" name="Picture 3" descr="C:\Users\hida1\Desktop\SnapCrab\USgrade0.jpg"/>
+            <p:cNvPicPr>
+              <a:picLocks noChangeAspect="1" noChangeArrowheads="1"/>
+            </p:cNvPicPr>
+            <p:nvPr/>
+          </p:nvPicPr>
+          <p:blipFill>
+            <a:blip r:embed="rId3">
+              <a:extLst>
+                <a:ext uri="{28A0092B-C50C-407E-A947-70E740481C1C}">
+                  <a14:useLocalDpi xmlns:a14="http://schemas.microsoft.com/office/drawing/2010/main" val="0"/>
+                </a:ext>
+              </a:extLst>
+            </a:blip>
+            <a:srcRect/>
+            <a:stretch>
+              <a:fillRect/>
+            </a:stretch>
+          </p:blipFill>
+          <p:spPr bwMode="auto">
+            <a:xfrm>
+              <a:off x="971600" y="812596"/>
+              <a:ext cx="3148482" cy="2518784"/>
+            </a:xfrm>
+            <a:prstGeom prst="rect">
+              <a:avLst/>
+            </a:prstGeom>
+            <a:noFill/>
+            <a:extLst>
+              <a:ext uri="{909E8E84-426E-40DD-AFC4-6F175D3DCCD1}">
+                <a14:hiddenFill xmlns:a14="http://schemas.microsoft.com/office/drawing/2010/main">
+                  <a:solidFill>
+                    <a:srgbClr val="FFFFFF"/>
+                  </a:solidFill>
+                </a14:hiddenFill>
+              </a:ext>
+            </a:extLst>
+          </p:spPr>
+        </p:pic>
+        <p:pic>
+          <p:nvPicPr>
+            <p:cNvPr id="1028" name="Picture 4" descr="C:\Users\hida1\Desktop\SnapCrab\USgrade1.jpg"/>
+            <p:cNvPicPr>
+              <a:picLocks noChangeAspect="1" noChangeArrowheads="1"/>
+            </p:cNvPicPr>
+            <p:nvPr/>
+          </p:nvPicPr>
+          <p:blipFill>
+            <a:blip r:embed="rId4">
+              <a:extLst>
+                <a:ext uri="{28A0092B-C50C-407E-A947-70E740481C1C}">
+                  <a14:useLocalDpi xmlns:a14="http://schemas.microsoft.com/office/drawing/2010/main" val="0"/>
+                </a:ext>
+              </a:extLst>
+            </a:blip>
+            <a:srcRect/>
+            <a:stretch>
+              <a:fillRect/>
+            </a:stretch>
+          </p:blipFill>
+          <p:spPr bwMode="auto">
+            <a:xfrm>
+              <a:off x="4355976" y="812596"/>
+              <a:ext cx="3148482" cy="2518784"/>
+            </a:xfrm>
+            <a:prstGeom prst="rect">
+              <a:avLst/>
+            </a:prstGeom>
+            <a:noFill/>
+            <a:extLst>
+              <a:ext uri="{909E8E84-426E-40DD-AFC4-6F175D3DCCD1}">
+                <a14:hiddenFill xmlns:a14="http://schemas.microsoft.com/office/drawing/2010/main">
+                  <a:solidFill>
+                    <a:srgbClr val="FFFFFF"/>
+                  </a:solidFill>
+                </a14:hiddenFill>
+              </a:ext>
+            </a:extLst>
+          </p:spPr>
+        </p:pic>
+        <p:pic>
+          <p:nvPicPr>
+            <p:cNvPr id="1029" name="Picture 5" descr="C:\Users\hida1\Desktop\SnapCrab\USgrade2.jpg"/>
+            <p:cNvPicPr>
+              <a:picLocks noChangeAspect="1" noChangeArrowheads="1"/>
+            </p:cNvPicPr>
+            <p:nvPr/>
+          </p:nvPicPr>
+          <p:blipFill>
+            <a:blip r:embed="rId5">
+              <a:extLst>
+                <a:ext uri="{28A0092B-C50C-407E-A947-70E740481C1C}">
+                  <a14:useLocalDpi xmlns:a14="http://schemas.microsoft.com/office/drawing/2010/main" val="0"/>
+                </a:ext>
+              </a:extLst>
+            </a:blip>
+            <a:srcRect/>
+            <a:stretch>
+              <a:fillRect/>
+            </a:stretch>
+          </p:blipFill>
+          <p:spPr bwMode="auto">
+            <a:xfrm>
+              <a:off x="971600" y="3573016"/>
+              <a:ext cx="3148482" cy="2518784"/>
+            </a:xfrm>
+            <a:prstGeom prst="rect">
+              <a:avLst/>
+            </a:prstGeom>
+            <a:noFill/>
+            <a:extLst>
+              <a:ext uri="{909E8E84-426E-40DD-AFC4-6F175D3DCCD1}">
+                <a14:hiddenFill xmlns:a14="http://schemas.microsoft.com/office/drawing/2010/main">
+                  <a:solidFill>
+                    <a:srgbClr val="FFFFFF"/>
+                  </a:solidFill>
+                </a14:hiddenFill>
+              </a:ext>
+            </a:extLst>
+          </p:spPr>
+        </p:pic>
+        <p:sp>
+          <p:nvSpPr>
+            <p:cNvPr id="8" name="テキスト ボックス 7"/>
+            <p:cNvSpPr txBox="1"/>
+            <p:nvPr/>
+          </p:nvSpPr>
+          <p:spPr>
+            <a:xfrm>
+              <a:off x="1819744" y="2987660"/>
+              <a:ext cx="1567609" cy="369332"/>
+            </a:xfrm>
+            <a:prstGeom prst="rect">
+              <a:avLst/>
+            </a:prstGeom>
+            <a:noFill/>
+          </p:spPr>
+          <p:txBody>
+            <a:bodyPr wrap="none" rtlCol="0">
+              <a:spAutoFit/>
+            </a:bodyPr>
+            <a:lstStyle/>
+            <a:p>
+              <a:r>
+                <a:rPr kumimoji="1" lang="en-US" altLang="ja-JP" dirty="0" err="1" smtClean="0">
+                  <a:solidFill>
+                    <a:srgbClr val="FFFF00"/>
+                  </a:solidFill>
+                </a:rPr>
+                <a:t>Lkratio</a:t>
+              </a:r>
+              <a:r>
+                <a:rPr kumimoji="1" lang="en-US" altLang="ja-JP" dirty="0" smtClean="0">
+                  <a:solidFill>
+                    <a:srgbClr val="FFFF00"/>
+                  </a:solidFill>
+                </a:rPr>
+                <a:t> </a:t>
+              </a:r>
+              <a:r>
+                <a:rPr kumimoji="1" lang="ja-JP" altLang="en-US" dirty="0" smtClean="0">
+                  <a:solidFill>
+                    <a:srgbClr val="FFFF00"/>
+                  </a:solidFill>
+                </a:rPr>
+                <a:t>≦</a:t>
+              </a:r>
+              <a:r>
+                <a:rPr kumimoji="1" lang="en-US" altLang="ja-JP" dirty="0" smtClean="0">
+                  <a:solidFill>
+                    <a:srgbClr val="FFFF00"/>
+                  </a:solidFill>
+                </a:rPr>
+                <a:t> 1.25</a:t>
+              </a:r>
+              <a:endParaRPr kumimoji="1" lang="ja-JP" altLang="en-US" dirty="0">
+                <a:solidFill>
+                  <a:srgbClr val="FFFF00"/>
+                </a:solidFill>
+              </a:endParaRPr>
+            </a:p>
+          </p:txBody>
+        </p:sp>
+        <p:sp>
+          <p:nvSpPr>
+            <p:cNvPr id="9" name="テキスト ボックス 8"/>
+            <p:cNvSpPr txBox="1"/>
+            <p:nvPr/>
+          </p:nvSpPr>
+          <p:spPr>
+            <a:xfrm>
+              <a:off x="4860032" y="2996952"/>
+              <a:ext cx="2195986" cy="369332"/>
+            </a:xfrm>
+            <a:prstGeom prst="rect">
+              <a:avLst/>
+            </a:prstGeom>
+            <a:noFill/>
+          </p:spPr>
+          <p:txBody>
+            <a:bodyPr wrap="none" rtlCol="0">
+              <a:spAutoFit/>
+            </a:bodyPr>
+            <a:lstStyle/>
+            <a:p>
+              <a:r>
+                <a:rPr kumimoji="1" lang="en-US" altLang="ja-JP" dirty="0" smtClean="0">
+                  <a:solidFill>
+                    <a:srgbClr val="FFFF00"/>
+                  </a:solidFill>
+                </a:rPr>
+                <a:t>1.25 </a:t>
+              </a:r>
+              <a:r>
+                <a:rPr kumimoji="1" lang="ja-JP" altLang="en-US" dirty="0" smtClean="0">
+                  <a:solidFill>
+                    <a:srgbClr val="FFFF00"/>
+                  </a:solidFill>
+                </a:rPr>
+                <a:t>＜ </a:t>
+              </a:r>
+              <a:r>
+                <a:rPr kumimoji="1" lang="en-US" altLang="ja-JP" dirty="0" err="1" smtClean="0">
+                  <a:solidFill>
+                    <a:srgbClr val="FFFF00"/>
+                  </a:solidFill>
+                </a:rPr>
+                <a:t>Lkratio</a:t>
+              </a:r>
+              <a:r>
+                <a:rPr kumimoji="1" lang="en-US" altLang="ja-JP" dirty="0" smtClean="0">
+                  <a:solidFill>
+                    <a:srgbClr val="FFFF00"/>
+                  </a:solidFill>
+                </a:rPr>
+                <a:t> </a:t>
+              </a:r>
+              <a:r>
+                <a:rPr kumimoji="1" lang="ja-JP" altLang="en-US" dirty="0" smtClean="0">
+                  <a:solidFill>
+                    <a:srgbClr val="FFFF00"/>
+                  </a:solidFill>
+                </a:rPr>
+                <a:t>≦</a:t>
+              </a:r>
+              <a:r>
+                <a:rPr kumimoji="1" lang="en-US" altLang="ja-JP" dirty="0" smtClean="0">
+                  <a:solidFill>
+                    <a:srgbClr val="FFFF00"/>
+                  </a:solidFill>
+                </a:rPr>
+                <a:t> 1.5</a:t>
+              </a:r>
+              <a:endParaRPr kumimoji="1" lang="ja-JP" altLang="en-US" dirty="0">
+                <a:solidFill>
+                  <a:srgbClr val="FFFF00"/>
+                </a:solidFill>
+              </a:endParaRPr>
+            </a:p>
+          </p:txBody>
+        </p:sp>
+        <p:sp>
+          <p:nvSpPr>
+            <p:cNvPr id="10" name="テキスト ボックス 9"/>
+            <p:cNvSpPr txBox="1"/>
+            <p:nvPr/>
+          </p:nvSpPr>
+          <p:spPr>
+            <a:xfrm>
+              <a:off x="1506357" y="5723964"/>
+              <a:ext cx="2078967" cy="369332"/>
+            </a:xfrm>
+            <a:prstGeom prst="rect">
+              <a:avLst/>
+            </a:prstGeom>
+            <a:noFill/>
+          </p:spPr>
+          <p:txBody>
+            <a:bodyPr wrap="none" rtlCol="0">
+              <a:spAutoFit/>
+            </a:bodyPr>
+            <a:lstStyle/>
+            <a:p>
+              <a:r>
+                <a:rPr kumimoji="1" lang="en-US" altLang="ja-JP" dirty="0" smtClean="0">
+                  <a:solidFill>
+                    <a:srgbClr val="FFFF00"/>
+                  </a:solidFill>
+                </a:rPr>
+                <a:t>1.5 </a:t>
+              </a:r>
+              <a:r>
+                <a:rPr kumimoji="1" lang="ja-JP" altLang="en-US" dirty="0" smtClean="0">
+                  <a:solidFill>
+                    <a:srgbClr val="FFFF00"/>
+                  </a:solidFill>
+                </a:rPr>
+                <a:t>＜ </a:t>
+              </a:r>
+              <a:r>
+                <a:rPr kumimoji="1" lang="en-US" altLang="ja-JP" dirty="0" err="1" smtClean="0">
+                  <a:solidFill>
+                    <a:srgbClr val="FFFF00"/>
+                  </a:solidFill>
+                </a:rPr>
+                <a:t>Lkratio</a:t>
+              </a:r>
+              <a:r>
+                <a:rPr kumimoji="1" lang="en-US" altLang="ja-JP" dirty="0" smtClean="0">
+                  <a:solidFill>
+                    <a:srgbClr val="FFFF00"/>
+                  </a:solidFill>
+                </a:rPr>
+                <a:t> </a:t>
+              </a:r>
+              <a:r>
+                <a:rPr kumimoji="1" lang="ja-JP" altLang="en-US" dirty="0" smtClean="0">
+                  <a:solidFill>
+                    <a:srgbClr val="FFFF00"/>
+                  </a:solidFill>
+                </a:rPr>
+                <a:t>≦</a:t>
+              </a:r>
+              <a:r>
+                <a:rPr kumimoji="1" lang="en-US" altLang="ja-JP" dirty="0" smtClean="0">
+                  <a:solidFill>
+                    <a:srgbClr val="FFFF00"/>
+                  </a:solidFill>
+                </a:rPr>
+                <a:t> 2.0</a:t>
+              </a:r>
+              <a:endParaRPr kumimoji="1" lang="ja-JP" altLang="en-US" dirty="0">
+                <a:solidFill>
+                  <a:srgbClr val="FFFF00"/>
+                </a:solidFill>
+              </a:endParaRPr>
+            </a:p>
+          </p:txBody>
+        </p:sp>
+        <p:sp>
+          <p:nvSpPr>
+            <p:cNvPr id="11" name="テキスト ボックス 10"/>
+            <p:cNvSpPr txBox="1"/>
+            <p:nvPr/>
+          </p:nvSpPr>
+          <p:spPr>
+            <a:xfrm>
+              <a:off x="5178472" y="5733256"/>
+              <a:ext cx="1503489" cy="369332"/>
+            </a:xfrm>
+            <a:prstGeom prst="rect">
+              <a:avLst/>
+            </a:prstGeom>
+            <a:noFill/>
+          </p:spPr>
+          <p:txBody>
+            <a:bodyPr wrap="none" rtlCol="0">
+              <a:spAutoFit/>
+            </a:bodyPr>
+            <a:lstStyle/>
+            <a:p>
+              <a:r>
+                <a:rPr lang="en-US" altLang="ja-JP" dirty="0" smtClean="0">
+                  <a:solidFill>
+                    <a:srgbClr val="FFFF00"/>
+                  </a:solidFill>
+                </a:rPr>
+                <a:t>2.0</a:t>
+              </a:r>
+              <a:r>
+                <a:rPr kumimoji="1" lang="en-US" altLang="ja-JP" dirty="0" smtClean="0">
+                  <a:solidFill>
+                    <a:srgbClr val="FFFF00"/>
+                  </a:solidFill>
+                </a:rPr>
+                <a:t> </a:t>
+              </a:r>
+              <a:r>
+                <a:rPr kumimoji="1" lang="ja-JP" altLang="en-US" dirty="0" smtClean="0">
+                  <a:solidFill>
+                    <a:srgbClr val="FFFF00"/>
+                  </a:solidFill>
+                </a:rPr>
+                <a:t>＜ </a:t>
+              </a:r>
+              <a:r>
+                <a:rPr kumimoji="1" lang="en-US" altLang="ja-JP" dirty="0" err="1" smtClean="0">
+                  <a:solidFill>
+                    <a:srgbClr val="FFFF00"/>
+                  </a:solidFill>
+                </a:rPr>
+                <a:t>Lkratio</a:t>
+              </a:r>
+              <a:r>
+                <a:rPr kumimoji="1" lang="en-US" altLang="ja-JP" dirty="0" smtClean="0">
+                  <a:solidFill>
+                    <a:srgbClr val="FFFF00"/>
+                  </a:solidFill>
+                </a:rPr>
+                <a:t> </a:t>
+              </a:r>
+              <a:endParaRPr kumimoji="1" lang="ja-JP" altLang="en-US" dirty="0">
+                <a:solidFill>
+                  <a:srgbClr val="FFFF00"/>
+                </a:solidFill>
+              </a:endParaRPr>
+            </a:p>
+          </p:txBody>
+        </p:sp>
+      </p:grpSp>
+    </p:spTree>
+    <p:extLst>
+      <p:ext uri="{BB962C8B-B14F-4D97-AF65-F5344CB8AC3E}">
+        <p14:creationId xmlns:p14="http://schemas.microsoft.com/office/powerpoint/2010/main" val="4092209567"/>
+      </p:ext>
+    </p:extLst>
+  </p:cSld>
+  <p:clrMapOvr>
+    <a:masterClrMapping/>
+  </p:clrMapOvr>
+</p:sld>
+</file>
+
 <file path=ppt/theme/theme1.xml><?xml version="1.0" encoding="utf-8"?>
 <a:theme xmlns:a="http://schemas.openxmlformats.org/drawingml/2006/main" name="Office ​​テーマ">
   <a:themeElements>
